--- a/房價預測-第二組.pptx
+++ b/房價預測-第二組.pptx
@@ -11,6 +11,7 @@
     <p:sldId id="265" r:id="rId5"/>
     <p:sldId id="264" r:id="rId6"/>
     <p:sldId id="262" r:id="rId7"/>
+    <p:sldId id="268" r:id="rId8"/>
   </p:sldIdLst>
   <p:sldSz cx="12192000" cy="6858000"/>
   <p:notesSz cx="6858000" cy="9144000"/>
@@ -109,6 +110,11 @@
       </a:defRPr>
     </a:lvl9pPr>
   </p:defaultTextStyle>
+  <p:extLst>
+    <p:ext uri="{EFAFB233-063F-42B5-8137-9DF3F51BA10A}">
+      <p15:sldGuideLst xmlns:p15="http://schemas.microsoft.com/office/powerpoint/2012/main"/>
+    </p:ext>
+  </p:extLst>
 </p:presentation>
 </file>
 
@@ -8906,7 +8912,7 @@
             <a:fld id="{96DFF08F-DC6B-4601-B491-B0F83F6DD2DA}" type="datetimeFigureOut">
               <a:rPr lang="en-US" smtClean="0"/>
               <a:pPr/>
-              <a:t>8/6/2015</a:t>
+              <a:t>8/11/2015</a:t>
             </a:fld>
             <a:endParaRPr lang="en-US" dirty="0"/>
           </a:p>
@@ -9113,7 +9119,7 @@
           <a:p>
             <a:fld id="{96DFF08F-DC6B-4601-B491-B0F83F6DD2DA}" type="datetimeFigureOut">
               <a:rPr lang="en-US" smtClean="0"/>
-              <a:t>8/6/2015</a:t>
+              <a:t>8/11/2015</a:t>
             </a:fld>
             <a:endParaRPr lang="en-US" dirty="0"/>
           </a:p>
@@ -9293,7 +9299,7 @@
           <a:p>
             <a:fld id="{96DFF08F-DC6B-4601-B491-B0F83F6DD2DA}" type="datetimeFigureOut">
               <a:rPr lang="en-US" smtClean="0"/>
-              <a:t>8/6/2015</a:t>
+              <a:t>8/11/2015</a:t>
             </a:fld>
             <a:endParaRPr lang="en-US" dirty="0"/>
           </a:p>
@@ -9498,7 +9504,7 @@
           <a:p>
             <a:fld id="{96DFF08F-DC6B-4601-B491-B0F83F6DD2DA}" type="datetimeFigureOut">
               <a:rPr lang="en-US" smtClean="0"/>
-              <a:t>8/6/2015</a:t>
+              <a:t>8/11/2015</a:t>
             </a:fld>
             <a:endParaRPr lang="en-US" dirty="0"/>
           </a:p>
@@ -18396,7 +18402,7 @@
           <a:p>
             <a:fld id="{96DFF08F-DC6B-4601-B491-B0F83F6DD2DA}" type="datetimeFigureOut">
               <a:rPr lang="en-US" smtClean="0"/>
-              <a:t>8/6/2015</a:t>
+              <a:t>8/11/2015</a:t>
             </a:fld>
             <a:endParaRPr lang="en-US" dirty="0"/>
           </a:p>
@@ -18670,7 +18676,7 @@
           <a:p>
             <a:fld id="{96DFF08F-DC6B-4601-B491-B0F83F6DD2DA}" type="datetimeFigureOut">
               <a:rPr lang="en-US" smtClean="0"/>
-              <a:t>8/6/2015</a:t>
+              <a:t>8/11/2015</a:t>
             </a:fld>
             <a:endParaRPr lang="en-US" dirty="0"/>
           </a:p>
@@ -19068,7 +19074,7 @@
           <a:p>
             <a:fld id="{96DFF08F-DC6B-4601-B491-B0F83F6DD2DA}" type="datetimeFigureOut">
               <a:rPr lang="en-US" smtClean="0"/>
-              <a:t>8/6/2015</a:t>
+              <a:t>8/11/2015</a:t>
             </a:fld>
             <a:endParaRPr lang="en-US" dirty="0"/>
           </a:p>
@@ -19186,7 +19192,7 @@
           <a:p>
             <a:fld id="{96DFF08F-DC6B-4601-B491-B0F83F6DD2DA}" type="datetimeFigureOut">
               <a:rPr lang="en-US" smtClean="0"/>
-              <a:t>8/6/2015</a:t>
+              <a:t>8/11/2015</a:t>
             </a:fld>
             <a:endParaRPr lang="en-US" dirty="0"/>
           </a:p>
@@ -19281,7 +19287,7 @@
           <a:p>
             <a:fld id="{96DFF08F-DC6B-4601-B491-B0F83F6DD2DA}" type="datetimeFigureOut">
               <a:rPr lang="en-US" smtClean="0"/>
-              <a:t>8/6/2015</a:t>
+              <a:t>8/11/2015</a:t>
             </a:fld>
             <a:endParaRPr lang="en-US" dirty="0"/>
           </a:p>
@@ -19571,7 +19577,7 @@
           <a:p>
             <a:fld id="{96DFF08F-DC6B-4601-B491-B0F83F6DD2DA}" type="datetimeFigureOut">
               <a:rPr lang="en-US" smtClean="0"/>
-              <a:t>8/6/2015</a:t>
+              <a:t>8/11/2015</a:t>
             </a:fld>
             <a:endParaRPr lang="en-US" dirty="0"/>
           </a:p>
@@ -19851,7 +19857,7 @@
           <a:p>
             <a:fld id="{C7616CA0-919D-4A49-9C8A-62FDFB3A5183}" type="datetimeFigureOut">
               <a:rPr lang="en-US" smtClean="0"/>
-              <a:t>8/6/2015</a:t>
+              <a:t>8/11/2015</a:t>
             </a:fld>
             <a:endParaRPr lang="en-US" dirty="0"/>
           </a:p>
@@ -20102,7 +20108,7 @@
             <a:fld id="{96DFF08F-DC6B-4601-B491-B0F83F6DD2DA}" type="datetimeFigureOut">
               <a:rPr lang="en-US" smtClean="0"/>
               <a:pPr/>
-              <a:t>8/6/2015</a:t>
+              <a:t>8/11/2015</a:t>
             </a:fld>
             <a:endParaRPr lang="en-US" dirty="0"/>
           </a:p>
@@ -20748,6 +20754,13 @@
               <a:buFont typeface="Wingdings" panose="05000000000000000000" pitchFamily="2" charset="2"/>
               <a:buChar char="Ø"/>
             </a:pPr>
+            <a:endParaRPr lang="en-US" altLang="zh-TW" dirty="0" smtClean="0"/>
+          </a:p>
+          <a:p>
+            <a:pPr>
+              <a:buFont typeface="Wingdings" panose="05000000000000000000" pitchFamily="2" charset="2"/>
+              <a:buChar char="Ø"/>
+            </a:pPr>
             <a:r>
               <a:rPr lang="zh-TW" altLang="en-US" dirty="0" smtClean="0"/>
               <a:t>房仲網站資料類型</a:t>
@@ -20772,7 +20785,15 @@
             </a:pPr>
             <a:r>
               <a:rPr lang="zh-TW" altLang="en-US" dirty="0" smtClean="0"/>
-              <a:t>非格式化資料</a:t>
+              <a:t>進階：</a:t>
+            </a:r>
+            <a:r>
+              <a:rPr lang="zh-TW" altLang="en-US" dirty="0" smtClean="0"/>
+              <a:t>非</a:t>
+            </a:r>
+            <a:r>
+              <a:rPr lang="zh-TW" altLang="en-US" dirty="0" smtClean="0"/>
+              <a:t>格式化資料</a:t>
             </a:r>
             <a:r>
               <a:rPr lang="en-US" altLang="zh-TW" dirty="0" smtClean="0"/>
@@ -20862,7 +20883,15 @@
             </a:pPr>
             <a:r>
               <a:rPr lang="zh-TW" altLang="en-US" dirty="0" smtClean="0"/>
-              <a:t>使用者輸入房屋條件，提供合理價格區間</a:t>
+              <a:t>使用者輸入房屋條件</a:t>
+            </a:r>
+            <a:r>
+              <a:rPr lang="zh-TW" altLang="en-US" dirty="0" smtClean="0"/>
+              <a:t>，提供</a:t>
+            </a:r>
+            <a:r>
+              <a:rPr lang="zh-TW" altLang="en-US" dirty="0" smtClean="0"/>
+              <a:t>合理價格區間</a:t>
             </a:r>
             <a:endParaRPr lang="en-US" altLang="zh-TW" dirty="0" smtClean="0"/>
           </a:p>
@@ -20941,27 +20970,13 @@
             </a:pPr>
             <a:r>
               <a:rPr lang="zh-TW" altLang="en-US" dirty="0" smtClean="0"/>
-              <a:t>賣房者</a:t>
+              <a:t>賣房</a:t>
+            </a:r>
+            <a:r>
+              <a:rPr lang="zh-TW" altLang="en-US" dirty="0" smtClean="0"/>
+              <a:t>者</a:t>
             </a:r>
             <a:endParaRPr lang="en-US" altLang="zh-TW" dirty="0" smtClean="0"/>
-          </a:p>
-          <a:p>
-            <a:pPr lvl="1">
-              <a:buFont typeface="Wingdings" panose="05000000000000000000" pitchFamily="2" charset="2"/>
-              <a:buChar char="Ø"/>
-            </a:pPr>
-            <a:r>
-              <a:rPr lang="zh-TW" altLang="en-US" dirty="0" smtClean="0"/>
-              <a:t>想賣房的不知行情的人</a:t>
-            </a:r>
-            <a:endParaRPr lang="en-US" altLang="zh-TW" dirty="0" smtClean="0"/>
-          </a:p>
-          <a:p>
-            <a:pPr>
-              <a:buFont typeface="Wingdings" panose="05000000000000000000" pitchFamily="2" charset="2"/>
-              <a:buChar char="Ø"/>
-            </a:pPr>
-            <a:endParaRPr lang="zh-TW" altLang="en-US" dirty="0"/>
           </a:p>
         </p:txBody>
       </p:sp>
@@ -21029,7 +21044,9 @@
         </p:nvSpPr>
         <p:spPr/>
         <p:txBody>
-          <a:bodyPr/>
+          <a:bodyPr>
+            <a:normAutofit lnSpcReduction="10000"/>
+          </a:bodyPr>
           <a:lstStyle/>
           <a:p>
             <a:pPr>
@@ -21199,8 +21216,74 @@
             </a:r>
             <a:r>
               <a:rPr lang="zh-TW" altLang="en-US" dirty="0"/>
-              <a:t>實價登錄</a:t>
+              <a:t>實價</a:t>
             </a:r>
+            <a:r>
+              <a:rPr lang="zh-TW" altLang="en-US" dirty="0" smtClean="0"/>
+              <a:t>登錄</a:t>
+            </a:r>
+            <a:endParaRPr lang="en-US" altLang="zh-TW" dirty="0" smtClean="0"/>
+          </a:p>
+          <a:p>
+            <a:pPr lvl="2">
+              <a:buFont typeface="Wingdings" panose="05000000000000000000" pitchFamily="2" charset="2"/>
+              <a:buChar char="Ø"/>
+            </a:pPr>
+            <a:r>
+              <a:rPr lang="zh-TW" altLang="en-US" dirty="0" smtClean="0">
+                <a:solidFill>
+                  <a:srgbClr val="FF0000"/>
+                </a:solidFill>
+              </a:rPr>
+              <a:t>只有</a:t>
+            </a:r>
+            <a:r>
+              <a:rPr lang="en-US" altLang="zh-TW" dirty="0" smtClean="0">
+                <a:solidFill>
+                  <a:srgbClr val="FF0000"/>
+                </a:solidFill>
+              </a:rPr>
+              <a:t>2015/7</a:t>
+            </a:r>
+            <a:r>
+              <a:rPr lang="zh-TW" altLang="en-US" dirty="0" smtClean="0">
+                <a:solidFill>
+                  <a:srgbClr val="FF0000"/>
+                </a:solidFill>
+              </a:rPr>
+              <a:t>之後資料</a:t>
+            </a:r>
+            <a:endParaRPr lang="en-US" altLang="zh-TW" dirty="0" smtClean="0">
+              <a:solidFill>
+                <a:srgbClr val="FF0000"/>
+              </a:solidFill>
+            </a:endParaRPr>
+          </a:p>
+          <a:p>
+            <a:pPr>
+              <a:buFont typeface="Wingdings" panose="05000000000000000000" pitchFamily="2" charset="2"/>
+              <a:buChar char="Ø"/>
+            </a:pPr>
+            <a:r>
+              <a:rPr lang="zh-TW" altLang="en-US" dirty="0" smtClean="0"/>
+              <a:t>其他</a:t>
+            </a:r>
+            <a:endParaRPr lang="en-US" altLang="zh-TW" dirty="0" smtClean="0"/>
+          </a:p>
+          <a:p>
+            <a:pPr lvl="1">
+              <a:buFont typeface="Wingdings" panose="05000000000000000000" pitchFamily="2" charset="2"/>
+              <a:buChar char="Ø"/>
+            </a:pPr>
+            <a:r>
+              <a:rPr lang="zh-TW" altLang="en-US" dirty="0" smtClean="0"/>
+              <a:t>內政部公告</a:t>
+            </a:r>
+            <a:r>
+              <a:rPr lang="zh-TW" altLang="en-US" dirty="0"/>
+              <a:t>地價</a:t>
+            </a:r>
+            <a:endParaRPr lang="zh-TW" altLang="en-US" dirty="0"/>
           </a:p>
         </p:txBody>
       </p:sp>
@@ -21276,8 +21359,12 @@
               <a:buChar char="Ø"/>
             </a:pPr>
             <a:r>
+              <a:rPr lang="en-US" altLang="zh-TW" dirty="0" smtClean="0"/>
+              <a:t>Step 1 -</a:t>
+            </a:r>
+            <a:r>
               <a:rPr lang="zh-TW" altLang="en-US" dirty="0" smtClean="0"/>
-              <a:t>分群</a:t>
+              <a:t> 探討會影響房價的屬性</a:t>
             </a:r>
             <a:endParaRPr lang="en-US" altLang="zh-TW" dirty="0" smtClean="0"/>
           </a:p>
@@ -21288,7 +21375,40 @@
             </a:pPr>
             <a:r>
               <a:rPr lang="zh-TW" altLang="en-US" dirty="0" smtClean="0"/>
-              <a:t>經緯度</a:t>
+              <a:t>相關</a:t>
+            </a:r>
+            <a:endParaRPr lang="en-US" altLang="zh-TW" dirty="0" smtClean="0"/>
+          </a:p>
+          <a:p>
+            <a:pPr lvl="2">
+              <a:buFont typeface="Wingdings" panose="05000000000000000000" pitchFamily="2" charset="2"/>
+              <a:buChar char="Ø"/>
+            </a:pPr>
+            <a:r>
+              <a:rPr lang="zh-TW" altLang="en-US" dirty="0" smtClean="0"/>
+              <a:t>分析可用屬性</a:t>
+            </a:r>
+            <a:endParaRPr lang="en-US" altLang="zh-TW" dirty="0" smtClean="0"/>
+          </a:p>
+          <a:p>
+            <a:pPr lvl="1">
+              <a:buFont typeface="Wingdings" panose="05000000000000000000" pitchFamily="2" charset="2"/>
+              <a:buChar char="Ø"/>
+            </a:pPr>
+            <a:r>
+              <a:rPr lang="zh-TW" altLang="en-US" dirty="0" smtClean="0"/>
+              <a:t>回歸、複回歸</a:t>
+            </a:r>
+            <a:endParaRPr lang="en-US" altLang="zh-TW" dirty="0" smtClean="0"/>
+          </a:p>
+          <a:p>
+            <a:pPr lvl="2">
+              <a:buFont typeface="Wingdings" panose="05000000000000000000" pitchFamily="2" charset="2"/>
+              <a:buChar char="Ø"/>
+            </a:pPr>
+            <a:r>
+              <a:rPr lang="zh-TW" altLang="en-US" dirty="0" smtClean="0"/>
+              <a:t>分析各屬性如何影響房價</a:t>
             </a:r>
             <a:endParaRPr lang="en-US" altLang="zh-TW" dirty="0" smtClean="0"/>
           </a:p>
@@ -21298,8 +21418,53 @@
               <a:buChar char="Ø"/>
             </a:pPr>
             <a:r>
-              <a:rPr lang="zh-TW" altLang="en-US" smtClean="0"/>
-              <a:t>分類：決策樹</a:t>
+              <a:rPr lang="en-US" altLang="zh-TW" dirty="0" smtClean="0"/>
+              <a:t>Step 2 -</a:t>
+            </a:r>
+            <a:r>
+              <a:rPr lang="zh-TW" altLang="en-US" dirty="0" smtClean="0"/>
+              <a:t> 分別探討各屬性影響房價的強度</a:t>
+            </a:r>
+            <a:r>
+              <a:rPr lang="en-US" altLang="zh-TW" dirty="0" smtClean="0"/>
+              <a:t>(</a:t>
+            </a:r>
+            <a:r>
+              <a:rPr lang="zh-TW" altLang="en-US" dirty="0" smtClean="0"/>
+              <a:t>找出規則</a:t>
+            </a:r>
+            <a:r>
+              <a:rPr lang="en-US" altLang="zh-TW" dirty="0" smtClean="0"/>
+              <a:t>)</a:t>
+            </a:r>
+          </a:p>
+          <a:p>
+            <a:pPr lvl="1">
+              <a:buFont typeface="Wingdings" panose="05000000000000000000" pitchFamily="2" charset="2"/>
+              <a:buChar char="Ø"/>
+            </a:pPr>
+            <a:r>
+              <a:rPr lang="zh-TW" altLang="en-US" dirty="0" smtClean="0"/>
+              <a:t>分群、</a:t>
+            </a:r>
+            <a:r>
+              <a:rPr lang="en-US" altLang="zh-TW" dirty="0" smtClean="0"/>
+              <a:t>…</a:t>
+            </a:r>
+            <a:endParaRPr lang="en-US" altLang="zh-TW" dirty="0" smtClean="0"/>
+          </a:p>
+          <a:p>
+            <a:pPr>
+              <a:buFont typeface="Wingdings" panose="05000000000000000000" pitchFamily="2" charset="2"/>
+              <a:buChar char="Ø"/>
+            </a:pPr>
+            <a:r>
+              <a:rPr lang="en-US" altLang="zh-TW" dirty="0" smtClean="0"/>
+              <a:t>Step 3 - </a:t>
+            </a:r>
+            <a:r>
+              <a:rPr lang="zh-TW" altLang="en-US" dirty="0" smtClean="0"/>
+              <a:t>建立房價模型</a:t>
             </a:r>
             <a:endParaRPr lang="en-US" altLang="zh-TW" dirty="0" smtClean="0"/>
           </a:p>
@@ -21308,6 +21473,14 @@
               <a:buFont typeface="Wingdings" panose="05000000000000000000" pitchFamily="2" charset="2"/>
               <a:buChar char="Ø"/>
             </a:pPr>
+            <a:r>
+              <a:rPr lang="zh-TW" altLang="en-US" dirty="0" smtClean="0"/>
+              <a:t>分類、</a:t>
+            </a:r>
+            <a:r>
+              <a:rPr lang="en-US" altLang="zh-TW" dirty="0" smtClean="0"/>
+              <a:t>…</a:t>
+            </a:r>
             <a:endParaRPr lang="zh-TW" altLang="en-US" dirty="0"/>
           </a:p>
         </p:txBody>
@@ -21316,6 +21489,86 @@
     <p:extLst>
       <p:ext uri="{BB962C8B-B14F-4D97-AF65-F5344CB8AC3E}">
         <p14:creationId xmlns:p14="http://schemas.microsoft.com/office/powerpoint/2010/main" val="1734896923"/>
+      </p:ext>
+    </p:extLst>
+  </p:cSld>
+  <p:clrMapOvr>
+    <a:masterClrMapping/>
+  </p:clrMapOvr>
+</p:sld>
+</file>
+
+<file path=ppt/slides/slide7.xml><?xml version="1.0" encoding="utf-8"?>
+<p:sld xmlns:a="http://schemas.openxmlformats.org/drawingml/2006/main" xmlns:r="http://schemas.openxmlformats.org/officeDocument/2006/relationships" xmlns:p="http://schemas.openxmlformats.org/presentationml/2006/main">
+  <p:cSld>
+    <p:spTree>
+      <p:nvGrpSpPr>
+        <p:cNvPr id="1" name=""/>
+        <p:cNvGrpSpPr/>
+        <p:nvPr/>
+      </p:nvGrpSpPr>
+      <p:grpSpPr>
+        <a:xfrm>
+          <a:off x="0" y="0"/>
+          <a:ext cx="0" cy="0"/>
+          <a:chOff x="0" y="0"/>
+          <a:chExt cx="0" cy="0"/>
+        </a:xfrm>
+      </p:grpSpPr>
+      <p:sp>
+        <p:nvSpPr>
+          <p:cNvPr id="2" name="標題 1"/>
+          <p:cNvSpPr>
+            <a:spLocks noGrp="1"/>
+          </p:cNvSpPr>
+          <p:nvPr>
+            <p:ph type="title"/>
+          </p:nvPr>
+        </p:nvSpPr>
+        <p:spPr/>
+        <p:txBody>
+          <a:bodyPr/>
+          <a:lstStyle/>
+          <a:p>
+            <a:r>
+              <a:rPr lang="en-US" altLang="zh-TW" dirty="0" smtClean="0"/>
+              <a:t>THE</a:t>
+            </a:r>
+            <a:r>
+              <a:rPr lang="zh-TW" altLang="en-US" dirty="0" smtClean="0"/>
+              <a:t> </a:t>
+            </a:r>
+            <a:r>
+              <a:rPr lang="en-US" altLang="zh-TW" dirty="0" smtClean="0"/>
+              <a:t>END</a:t>
+            </a:r>
+            <a:endParaRPr lang="zh-TW" altLang="en-US" dirty="0"/>
+          </a:p>
+        </p:txBody>
+      </p:sp>
+      <p:sp>
+        <p:nvSpPr>
+          <p:cNvPr id="3" name="文字版面配置區 2"/>
+          <p:cNvSpPr>
+            <a:spLocks noGrp="1"/>
+          </p:cNvSpPr>
+          <p:nvPr>
+            <p:ph type="body" idx="1"/>
+          </p:nvPr>
+        </p:nvSpPr>
+        <p:spPr/>
+        <p:txBody>
+          <a:bodyPr/>
+          <a:lstStyle/>
+          <a:p>
+            <a:endParaRPr lang="zh-TW" altLang="en-US" dirty="0"/>
+          </a:p>
+        </p:txBody>
+      </p:sp>
+    </p:spTree>
+    <p:extLst>
+      <p:ext uri="{BB962C8B-B14F-4D97-AF65-F5344CB8AC3E}">
+        <p14:creationId xmlns:p14="http://schemas.microsoft.com/office/powerpoint/2010/main" val="3912134147"/>
       </p:ext>
     </p:extLst>
   </p:cSld>

--- a/房價預測-第二組.pptx
+++ b/房價預測-第二組.pptx
@@ -20785,15 +20785,7 @@
             </a:pPr>
             <a:r>
               <a:rPr lang="zh-TW" altLang="en-US" dirty="0" smtClean="0"/>
-              <a:t>進階：</a:t>
-            </a:r>
-            <a:r>
-              <a:rPr lang="zh-TW" altLang="en-US" dirty="0" smtClean="0"/>
-              <a:t>非</a:t>
-            </a:r>
-            <a:r>
-              <a:rPr lang="zh-TW" altLang="en-US" dirty="0" smtClean="0"/>
-              <a:t>格式化資料</a:t>
+              <a:t>進階：非格式化資料</a:t>
             </a:r>
             <a:r>
               <a:rPr lang="en-US" altLang="zh-TW" dirty="0" smtClean="0"/>
@@ -20883,15 +20875,7 @@
             </a:pPr>
             <a:r>
               <a:rPr lang="zh-TW" altLang="en-US" dirty="0" smtClean="0"/>
-              <a:t>使用者輸入房屋條件</a:t>
-            </a:r>
-            <a:r>
-              <a:rPr lang="zh-TW" altLang="en-US" dirty="0" smtClean="0"/>
-              <a:t>，提供</a:t>
-            </a:r>
-            <a:r>
-              <a:rPr lang="zh-TW" altLang="en-US" dirty="0" smtClean="0"/>
-              <a:t>合理價格區間</a:t>
+              <a:t>使用者輸入房屋條件，提供合理價格區間</a:t>
             </a:r>
             <a:endParaRPr lang="en-US" altLang="zh-TW" dirty="0" smtClean="0"/>
           </a:p>
@@ -20970,11 +20954,7 @@
             </a:pPr>
             <a:r>
               <a:rPr lang="zh-TW" altLang="en-US" dirty="0" smtClean="0"/>
-              <a:t>賣房</a:t>
-            </a:r>
-            <a:r>
-              <a:rPr lang="zh-TW" altLang="en-US" dirty="0" smtClean="0"/>
-              <a:t>者</a:t>
+              <a:t>賣房者</a:t>
             </a:r>
             <a:endParaRPr lang="en-US" altLang="zh-TW" dirty="0" smtClean="0"/>
           </a:p>
@@ -21106,7 +21086,9 @@
               <a:buChar char="Ø"/>
             </a:pPr>
             <a:r>
-              <a:rPr lang="zh-TW" altLang="en-US" dirty="0"/>
+              <a:rPr lang="zh-TW" altLang="en-US" dirty="0">
+                <a:hlinkClick r:id="rId3"/>
+              </a:rPr>
               <a:t>信義房屋</a:t>
             </a:r>
             <a:endParaRPr lang="en-US" altLang="zh-TW" dirty="0"/>
@@ -21118,7 +21100,7 @@
             </a:pPr>
             <a:r>
               <a:rPr lang="zh-TW" altLang="en-US" dirty="0">
-                <a:hlinkClick r:id="rId3"/>
+                <a:hlinkClick r:id="rId4"/>
               </a:rPr>
               <a:t>東森房仲</a:t>
             </a:r>
@@ -21131,40 +21113,9 @@
             </a:pPr>
             <a:r>
               <a:rPr lang="zh-TW" altLang="en-US" dirty="0">
-                <a:hlinkClick r:id="rId4"/>
+                <a:hlinkClick r:id="rId5"/>
               </a:rPr>
               <a:t>中信房屋</a:t>
-            </a:r>
-            <a:r>
-              <a:rPr lang="en-US" altLang="zh-TW" dirty="0">
-                <a:hlinkClick r:id="rId4"/>
-              </a:rPr>
-              <a:t>(</a:t>
-            </a:r>
-            <a:r>
-              <a:rPr lang="zh-TW" altLang="en-US" dirty="0">
-                <a:hlinkClick r:id="rId4"/>
-              </a:rPr>
-              <a:t>卡</a:t>
-            </a:r>
-            <a:r>
-              <a:rPr lang="en-US" altLang="zh-TW" dirty="0">
-                <a:hlinkClick r:id="rId4"/>
-              </a:rPr>
-              <a:t>)</a:t>
-            </a:r>
-            <a:endParaRPr lang="en-US" altLang="zh-TW" dirty="0"/>
-          </a:p>
-          <a:p>
-            <a:pPr lvl="2">
-              <a:buFont typeface="Wingdings" panose="05000000000000000000" pitchFamily="2" charset="2"/>
-              <a:buChar char="Ø"/>
-            </a:pPr>
-            <a:r>
-              <a:rPr lang="zh-TW" altLang="en-US" dirty="0">
-                <a:hlinkClick r:id="rId5"/>
-              </a:rPr>
-              <a:t>太平洋房屋</a:t>
             </a:r>
             <a:r>
               <a:rPr lang="en-US" altLang="zh-TW" dirty="0">
@@ -21181,6 +21132,37 @@
             <a:r>
               <a:rPr lang="en-US" altLang="zh-TW" dirty="0">
                 <a:hlinkClick r:id="rId5"/>
+              </a:rPr>
+              <a:t>)</a:t>
+            </a:r>
+            <a:endParaRPr lang="en-US" altLang="zh-TW" dirty="0"/>
+          </a:p>
+          <a:p>
+            <a:pPr lvl="2">
+              <a:buFont typeface="Wingdings" panose="05000000000000000000" pitchFamily="2" charset="2"/>
+              <a:buChar char="Ø"/>
+            </a:pPr>
+            <a:r>
+              <a:rPr lang="zh-TW" altLang="en-US" dirty="0">
+                <a:hlinkClick r:id="rId6"/>
+              </a:rPr>
+              <a:t>太平洋房屋</a:t>
+            </a:r>
+            <a:r>
+              <a:rPr lang="en-US" altLang="zh-TW" dirty="0">
+                <a:hlinkClick r:id="rId6"/>
+              </a:rPr>
+              <a:t>(</a:t>
+            </a:r>
+            <a:r>
+              <a:rPr lang="zh-TW" altLang="en-US" dirty="0">
+                <a:hlinkClick r:id="rId6"/>
+              </a:rPr>
+              <a:t>卡</a:t>
+            </a:r>
+            <a:r>
+              <a:rPr lang="en-US" altLang="zh-TW" dirty="0">
+                <a:hlinkClick r:id="rId6"/>
               </a:rPr>
               <a:t>)</a:t>
             </a:r>
@@ -21283,7 +21265,6 @@
               <a:rPr lang="zh-TW" altLang="en-US" dirty="0"/>
               <a:t>地價</a:t>
             </a:r>
-            <a:endParaRPr lang="zh-TW" altLang="en-US" dirty="0"/>
           </a:p>
         </p:txBody>
       </p:sp>
@@ -21451,7 +21432,6 @@
               <a:rPr lang="en-US" altLang="zh-TW" dirty="0" smtClean="0"/>
               <a:t>…</a:t>
             </a:r>
-            <a:endParaRPr lang="en-US" altLang="zh-TW" dirty="0" smtClean="0"/>
           </a:p>
           <a:p>
             <a:pPr>
